--- a/doc/ERP.pptx
+++ b/doc/ERP.pptx
@@ -200,7 +200,7 @@
           <a:p>
             <a:fld id="{1EBEDD12-BCD5-485B-BCBC-34BB01D7923C}" type="datetimeFigureOut">
               <a:rPr lang="en-US" smtClean="0"/>
-              <a:t>9/11/2025</a:t>
+              <a:t>9/18/2025</a:t>
             </a:fld>
             <a:endParaRPr lang="en-US" dirty="0"/>
           </a:p>
@@ -414,7 +414,7 @@
           <a:p>
             <a:fld id="{6EE7A52F-9D89-7442-A8E9-48D1527B5F6B}" type="datetimeFigureOut">
               <a:rPr lang="en-US" smtClean="0"/>
-              <a:t>9/11/2025</a:t>
+              <a:t>9/18/2025</a:t>
             </a:fld>
             <a:endParaRPr lang="en-US" dirty="0"/>
           </a:p>
@@ -725,6 +725,29 @@
           <a:bodyPr/>
           <a:lstStyle/>
           <a:p>
+            <a:pPr marL="0" marR="0" lvl="0" indent="0" algn="l" defTabSz="914400" rtl="0" eaLnBrk="1" fontAlgn="auto" latinLnBrk="0" hangingPunct="1">
+              <a:lnSpc>
+                <a:spcPct val="100000"/>
+              </a:lnSpc>
+              <a:spcBef>
+                <a:spcPts val="0"/>
+              </a:spcBef>
+              <a:spcAft>
+                <a:spcPts val="0"/>
+              </a:spcAft>
+              <a:buClrTx/>
+              <a:buSzTx/>
+              <a:buFontTx/>
+              <a:buNone/>
+              <a:tabLst/>
+              <a:defRPr/>
+            </a:pPr>
+            <a:r>
+              <a:rPr lang="en-US" dirty="0"/>
+              <a:t>Marcel</a:t>
+            </a:r>
+          </a:p>
+          <a:p>
             <a:endParaRPr lang="en-US" dirty="0"/>
           </a:p>
         </p:txBody>
@@ -756,6 +779,198 @@
     <p:extLst>
       <p:ext uri="{BB962C8B-B14F-4D97-AF65-F5344CB8AC3E}">
         <p14:creationId xmlns:p14="http://schemas.microsoft.com/office/powerpoint/2010/main" val="1092453862"/>
+      </p:ext>
+    </p:extLst>
+  </p:cSld>
+  <p:clrMapOvr>
+    <a:masterClrMapping/>
+  </p:clrMapOvr>
+</p:notes>
+</file>
+
+<file path=ppt/notesSlides/notesSlide10.xml><?xml version="1.0" encoding="utf-8"?>
+<p:notes xmlns:a="http://schemas.openxmlformats.org/drawingml/2006/main" xmlns:r="http://schemas.openxmlformats.org/officeDocument/2006/relationships" xmlns:p="http://schemas.openxmlformats.org/presentationml/2006/main">
+  <p:cSld>
+    <p:spTree>
+      <p:nvGrpSpPr>
+        <p:cNvPr id="1" name=""/>
+        <p:cNvGrpSpPr/>
+        <p:nvPr/>
+      </p:nvGrpSpPr>
+      <p:grpSpPr>
+        <a:xfrm>
+          <a:off x="0" y="0"/>
+          <a:ext cx="0" cy="0"/>
+          <a:chOff x="0" y="0"/>
+          <a:chExt cx="0" cy="0"/>
+        </a:xfrm>
+      </p:grpSpPr>
+      <p:sp>
+        <p:nvSpPr>
+          <p:cNvPr id="2" name="Slide Image Placeholder 1"/>
+          <p:cNvSpPr>
+            <a:spLocks noGrp="1" noRot="1" noChangeAspect="1"/>
+          </p:cNvSpPr>
+          <p:nvPr>
+            <p:ph type="sldImg"/>
+          </p:nvPr>
+        </p:nvSpPr>
+        <p:spPr/>
+      </p:sp>
+      <p:sp>
+        <p:nvSpPr>
+          <p:cNvPr id="3" name="Notes Placeholder 2"/>
+          <p:cNvSpPr>
+            <a:spLocks noGrp="1"/>
+          </p:cNvSpPr>
+          <p:nvPr>
+            <p:ph type="body" idx="1"/>
+          </p:nvPr>
+        </p:nvSpPr>
+        <p:spPr/>
+        <p:txBody>
+          <a:bodyPr/>
+          <a:lstStyle/>
+          <a:p>
+            <a:endParaRPr lang="en-US" dirty="0"/>
+          </a:p>
+        </p:txBody>
+      </p:sp>
+      <p:sp>
+        <p:nvSpPr>
+          <p:cNvPr id="4" name="Slide Number Placeholder 3"/>
+          <p:cNvSpPr>
+            <a:spLocks noGrp="1"/>
+          </p:cNvSpPr>
+          <p:nvPr>
+            <p:ph type="sldNum" sz="quarter" idx="5"/>
+          </p:nvPr>
+        </p:nvSpPr>
+        <p:spPr/>
+        <p:txBody>
+          <a:bodyPr/>
+          <a:lstStyle/>
+          <a:p>
+            <a:fld id="{A89C7E07-3C67-C64C-8DA0-0404F6303970}" type="slidenum">
+              <a:rPr lang="en-US" smtClean="0"/>
+              <a:t>10</a:t>
+            </a:fld>
+            <a:endParaRPr lang="en-US" dirty="0"/>
+          </a:p>
+        </p:txBody>
+      </p:sp>
+    </p:spTree>
+    <p:extLst>
+      <p:ext uri="{BB962C8B-B14F-4D97-AF65-F5344CB8AC3E}">
+        <p14:creationId xmlns:p14="http://schemas.microsoft.com/office/powerpoint/2010/main" val="1765923172"/>
+      </p:ext>
+    </p:extLst>
+  </p:cSld>
+  <p:clrMapOvr>
+    <a:masterClrMapping/>
+  </p:clrMapOvr>
+</p:notes>
+</file>
+
+<file path=ppt/notesSlides/notesSlide11.xml><?xml version="1.0" encoding="utf-8"?>
+<p:notes xmlns:a="http://schemas.openxmlformats.org/drawingml/2006/main" xmlns:r="http://schemas.openxmlformats.org/officeDocument/2006/relationships" xmlns:p="http://schemas.openxmlformats.org/presentationml/2006/main">
+  <p:cSld>
+    <p:spTree>
+      <p:nvGrpSpPr>
+        <p:cNvPr id="1" name="">
+          <a:extLst>
+            <a:ext uri="{FF2B5EF4-FFF2-40B4-BE49-F238E27FC236}">
+              <a16:creationId xmlns:a16="http://schemas.microsoft.com/office/drawing/2014/main" id="{1974B5AC-A2B1-C986-71FC-B849B1ED8019}"/>
+            </a:ext>
+          </a:extLst>
+        </p:cNvPr>
+        <p:cNvGrpSpPr/>
+        <p:nvPr/>
+      </p:nvGrpSpPr>
+      <p:grpSpPr>
+        <a:xfrm>
+          <a:off x="0" y="0"/>
+          <a:ext cx="0" cy="0"/>
+          <a:chOff x="0" y="0"/>
+          <a:chExt cx="0" cy="0"/>
+        </a:xfrm>
+      </p:grpSpPr>
+      <p:sp>
+        <p:nvSpPr>
+          <p:cNvPr id="2" name="Slide Image Placeholder 1">
+            <a:extLst>
+              <a:ext uri="{FF2B5EF4-FFF2-40B4-BE49-F238E27FC236}">
+                <a16:creationId xmlns:a16="http://schemas.microsoft.com/office/drawing/2014/main" id="{D7908A11-9F73-C22A-07E1-03EB3407288C}"/>
+              </a:ext>
+            </a:extLst>
+          </p:cNvPr>
+          <p:cNvSpPr>
+            <a:spLocks noGrp="1" noRot="1" noChangeAspect="1"/>
+          </p:cNvSpPr>
+          <p:nvPr>
+            <p:ph type="sldImg"/>
+          </p:nvPr>
+        </p:nvSpPr>
+        <p:spPr/>
+      </p:sp>
+      <p:sp>
+        <p:nvSpPr>
+          <p:cNvPr id="3" name="Notes Placeholder 2">
+            <a:extLst>
+              <a:ext uri="{FF2B5EF4-FFF2-40B4-BE49-F238E27FC236}">
+                <a16:creationId xmlns:a16="http://schemas.microsoft.com/office/drawing/2014/main" id="{67F5052D-466B-C06F-CB02-06A9A221AF98}"/>
+              </a:ext>
+            </a:extLst>
+          </p:cNvPr>
+          <p:cNvSpPr>
+            <a:spLocks noGrp="1"/>
+          </p:cNvSpPr>
+          <p:nvPr>
+            <p:ph type="body" idx="1"/>
+          </p:nvPr>
+        </p:nvSpPr>
+        <p:spPr/>
+        <p:txBody>
+          <a:bodyPr/>
+          <a:lstStyle/>
+          <a:p>
+            <a:endParaRPr lang="en-US" dirty="0"/>
+          </a:p>
+        </p:txBody>
+      </p:sp>
+      <p:sp>
+        <p:nvSpPr>
+          <p:cNvPr id="4" name="Slide Number Placeholder 3">
+            <a:extLst>
+              <a:ext uri="{FF2B5EF4-FFF2-40B4-BE49-F238E27FC236}">
+                <a16:creationId xmlns:a16="http://schemas.microsoft.com/office/drawing/2014/main" id="{AFF42776-90FD-6DF2-E9E9-1D4E6C93AF97}"/>
+              </a:ext>
+            </a:extLst>
+          </p:cNvPr>
+          <p:cNvSpPr>
+            <a:spLocks noGrp="1"/>
+          </p:cNvSpPr>
+          <p:nvPr>
+            <p:ph type="sldNum" sz="quarter" idx="5"/>
+          </p:nvPr>
+        </p:nvSpPr>
+        <p:spPr/>
+        <p:txBody>
+          <a:bodyPr/>
+          <a:lstStyle/>
+          <a:p>
+            <a:fld id="{A89C7E07-3C67-C64C-8DA0-0404F6303970}" type="slidenum">
+              <a:rPr lang="en-US" smtClean="0"/>
+              <a:t>11</a:t>
+            </a:fld>
+            <a:endParaRPr lang="en-US" dirty="0"/>
+          </a:p>
+        </p:txBody>
+      </p:sp>
+    </p:spTree>
+    <p:extLst>
+      <p:ext uri="{BB962C8B-B14F-4D97-AF65-F5344CB8AC3E}">
+        <p14:creationId xmlns:p14="http://schemas.microsoft.com/office/powerpoint/2010/main" val="1840975459"/>
       </p:ext>
     </p:extLst>
   </p:cSld>
@@ -809,7 +1024,10 @@
           <a:bodyPr/>
           <a:lstStyle/>
           <a:p>
-            <a:endParaRPr lang="en-US" dirty="0"/>
+            <a:r>
+              <a:rPr lang="en-US" dirty="0"/>
+              <a:t>Marcel</a:t>
+            </a:r>
           </a:p>
         </p:txBody>
       </p:sp>
@@ -893,7 +1111,11 @@
           <a:bodyPr/>
           <a:lstStyle/>
           <a:p>
-            <a:endParaRPr lang="en-US" dirty="0"/>
+            <a:r>
+              <a:rPr lang="en-GB" dirty="0"/>
+              <a:t>Domi</a:t>
+            </a:r>
+            <a:endParaRPr lang="en-CH" dirty="0"/>
           </a:p>
         </p:txBody>
       </p:sp>
@@ -914,7 +1136,7 @@
           <a:p>
             <a:fld id="{A89C7E07-3C67-C64C-8DA0-0404F6303970}" type="slidenum">
               <a:rPr lang="en-US" smtClean="0"/>
-              <a:t>10</a:t>
+              <a:t>3</a:t>
             </a:fld>
             <a:endParaRPr lang="en-US" dirty="0"/>
           </a:p>
@@ -923,7 +1145,7 @@
     </p:spTree>
     <p:extLst>
       <p:ext uri="{BB962C8B-B14F-4D97-AF65-F5344CB8AC3E}">
-        <p14:creationId xmlns:p14="http://schemas.microsoft.com/office/powerpoint/2010/main" val="1765923172"/>
+        <p14:creationId xmlns:p14="http://schemas.microsoft.com/office/powerpoint/2010/main" val="1411999168"/>
       </p:ext>
     </p:extLst>
   </p:cSld>
@@ -938,13 +1160,7 @@
   <p:cSld>
     <p:spTree>
       <p:nvGrpSpPr>
-        <p:cNvPr id="1" name="">
-          <a:extLst>
-            <a:ext uri="{FF2B5EF4-FFF2-40B4-BE49-F238E27FC236}">
-              <a16:creationId xmlns:a16="http://schemas.microsoft.com/office/drawing/2014/main" id="{1974B5AC-A2B1-C986-71FC-B849B1ED8019}"/>
-            </a:ext>
-          </a:extLst>
-        </p:cNvPr>
+        <p:cNvPr id="1" name=""/>
         <p:cNvGrpSpPr/>
         <p:nvPr/>
       </p:nvGrpSpPr>
@@ -958,13 +1174,7 @@
       </p:grpSpPr>
       <p:sp>
         <p:nvSpPr>
-          <p:cNvPr id="2" name="Slide Image Placeholder 1">
-            <a:extLst>
-              <a:ext uri="{FF2B5EF4-FFF2-40B4-BE49-F238E27FC236}">
-                <a16:creationId xmlns:a16="http://schemas.microsoft.com/office/drawing/2014/main" id="{D7908A11-9F73-C22A-07E1-03EB3407288C}"/>
-              </a:ext>
-            </a:extLst>
-          </p:cNvPr>
+          <p:cNvPr id="2" name="Slide Image Placeholder 1"/>
           <p:cNvSpPr>
             <a:spLocks noGrp="1" noRot="1" noChangeAspect="1"/>
           </p:cNvSpPr>
@@ -976,13 +1186,7 @@
       </p:sp>
       <p:sp>
         <p:nvSpPr>
-          <p:cNvPr id="3" name="Notes Placeholder 2">
-            <a:extLst>
-              <a:ext uri="{FF2B5EF4-FFF2-40B4-BE49-F238E27FC236}">
-                <a16:creationId xmlns:a16="http://schemas.microsoft.com/office/drawing/2014/main" id="{67F5052D-466B-C06F-CB02-06A9A221AF98}"/>
-              </a:ext>
-            </a:extLst>
-          </p:cNvPr>
+          <p:cNvPr id="3" name="Notes Placeholder 2"/>
           <p:cNvSpPr>
             <a:spLocks noGrp="1"/>
           </p:cNvSpPr>
@@ -995,19 +1199,33 @@
           <a:bodyPr/>
           <a:lstStyle/>
           <a:p>
-            <a:endParaRPr lang="en-US" dirty="0"/>
+            <a:pPr marL="0" marR="0" lvl="0" indent="0" algn="l" defTabSz="914400" rtl="0" eaLnBrk="1" fontAlgn="auto" latinLnBrk="0" hangingPunct="1">
+              <a:lnSpc>
+                <a:spcPct val="100000"/>
+              </a:lnSpc>
+              <a:spcBef>
+                <a:spcPts val="0"/>
+              </a:spcBef>
+              <a:spcAft>
+                <a:spcPts val="0"/>
+              </a:spcAft>
+              <a:buClrTx/>
+              <a:buSzTx/>
+              <a:buFontTx/>
+              <a:buNone/>
+              <a:tabLst/>
+              <a:defRPr/>
+            </a:pPr>
+            <a:r>
+              <a:rPr lang="en-US" dirty="0"/>
+              <a:t>Domi</a:t>
+            </a:r>
           </a:p>
         </p:txBody>
       </p:sp>
       <p:sp>
         <p:nvSpPr>
-          <p:cNvPr id="4" name="Slide Number Placeholder 3">
-            <a:extLst>
-              <a:ext uri="{FF2B5EF4-FFF2-40B4-BE49-F238E27FC236}">
-                <a16:creationId xmlns:a16="http://schemas.microsoft.com/office/drawing/2014/main" id="{AFF42776-90FD-6DF2-E9E9-1D4E6C93AF97}"/>
-              </a:ext>
-            </a:extLst>
-          </p:cNvPr>
+          <p:cNvPr id="4" name="Slide Number Placeholder 3"/>
           <p:cNvSpPr>
             <a:spLocks noGrp="1"/>
           </p:cNvSpPr>
@@ -1022,7 +1240,7 @@
           <a:p>
             <a:fld id="{A89C7E07-3C67-C64C-8DA0-0404F6303970}" type="slidenum">
               <a:rPr lang="en-US" smtClean="0"/>
-              <a:t>11</a:t>
+              <a:t>4</a:t>
             </a:fld>
             <a:endParaRPr lang="en-US" dirty="0"/>
           </a:p>
@@ -1031,7 +1249,504 @@
     </p:spTree>
     <p:extLst>
       <p:ext uri="{BB962C8B-B14F-4D97-AF65-F5344CB8AC3E}">
-        <p14:creationId xmlns:p14="http://schemas.microsoft.com/office/powerpoint/2010/main" val="1840975459"/>
+        <p14:creationId xmlns:p14="http://schemas.microsoft.com/office/powerpoint/2010/main" val="1851621234"/>
+      </p:ext>
+    </p:extLst>
+  </p:cSld>
+  <p:clrMapOvr>
+    <a:masterClrMapping/>
+  </p:clrMapOvr>
+</p:notes>
+</file>
+
+<file path=ppt/notesSlides/notesSlide5.xml><?xml version="1.0" encoding="utf-8"?>
+<p:notes xmlns:a="http://schemas.openxmlformats.org/drawingml/2006/main" xmlns:r="http://schemas.openxmlformats.org/officeDocument/2006/relationships" xmlns:p="http://schemas.openxmlformats.org/presentationml/2006/main">
+  <p:cSld>
+    <p:spTree>
+      <p:nvGrpSpPr>
+        <p:cNvPr id="1" name=""/>
+        <p:cNvGrpSpPr/>
+        <p:nvPr/>
+      </p:nvGrpSpPr>
+      <p:grpSpPr>
+        <a:xfrm>
+          <a:off x="0" y="0"/>
+          <a:ext cx="0" cy="0"/>
+          <a:chOff x="0" y="0"/>
+          <a:chExt cx="0" cy="0"/>
+        </a:xfrm>
+      </p:grpSpPr>
+      <p:sp>
+        <p:nvSpPr>
+          <p:cNvPr id="2" name="Slide Image Placeholder 1"/>
+          <p:cNvSpPr>
+            <a:spLocks noGrp="1" noRot="1" noChangeAspect="1"/>
+          </p:cNvSpPr>
+          <p:nvPr>
+            <p:ph type="sldImg"/>
+          </p:nvPr>
+        </p:nvSpPr>
+        <p:spPr/>
+      </p:sp>
+      <p:sp>
+        <p:nvSpPr>
+          <p:cNvPr id="3" name="Notes Placeholder 2"/>
+          <p:cNvSpPr>
+            <a:spLocks noGrp="1"/>
+          </p:cNvSpPr>
+          <p:nvPr>
+            <p:ph type="body" idx="1"/>
+          </p:nvPr>
+        </p:nvSpPr>
+        <p:spPr/>
+        <p:txBody>
+          <a:bodyPr/>
+          <a:lstStyle/>
+          <a:p>
+            <a:pPr marL="0" marR="0" lvl="0" indent="0" algn="l" defTabSz="914400" rtl="0" eaLnBrk="1" fontAlgn="auto" latinLnBrk="0" hangingPunct="1">
+              <a:lnSpc>
+                <a:spcPct val="100000"/>
+              </a:lnSpc>
+              <a:spcBef>
+                <a:spcPts val="0"/>
+              </a:spcBef>
+              <a:spcAft>
+                <a:spcPts val="0"/>
+              </a:spcAft>
+              <a:buClrTx/>
+              <a:buSzTx/>
+              <a:buFontTx/>
+              <a:buNone/>
+              <a:tabLst/>
+              <a:defRPr/>
+            </a:pPr>
+            <a:r>
+              <a:rPr lang="en-US" dirty="0"/>
+              <a:t>Marcel</a:t>
+            </a:r>
+          </a:p>
+          <a:p>
+            <a:endParaRPr lang="en-CH" dirty="0"/>
+          </a:p>
+        </p:txBody>
+      </p:sp>
+      <p:sp>
+        <p:nvSpPr>
+          <p:cNvPr id="4" name="Slide Number Placeholder 3"/>
+          <p:cNvSpPr>
+            <a:spLocks noGrp="1"/>
+          </p:cNvSpPr>
+          <p:nvPr>
+            <p:ph type="sldNum" sz="quarter" idx="5"/>
+          </p:nvPr>
+        </p:nvSpPr>
+        <p:spPr/>
+        <p:txBody>
+          <a:bodyPr/>
+          <a:lstStyle/>
+          <a:p>
+            <a:fld id="{A89C7E07-3C67-C64C-8DA0-0404F6303970}" type="slidenum">
+              <a:rPr lang="en-US" smtClean="0"/>
+              <a:t>5</a:t>
+            </a:fld>
+            <a:endParaRPr lang="en-US" dirty="0"/>
+          </a:p>
+        </p:txBody>
+      </p:sp>
+    </p:spTree>
+    <p:extLst>
+      <p:ext uri="{BB962C8B-B14F-4D97-AF65-F5344CB8AC3E}">
+        <p14:creationId xmlns:p14="http://schemas.microsoft.com/office/powerpoint/2010/main" val="2233441776"/>
+      </p:ext>
+    </p:extLst>
+  </p:cSld>
+  <p:clrMapOvr>
+    <a:masterClrMapping/>
+  </p:clrMapOvr>
+</p:notes>
+</file>
+
+<file path=ppt/notesSlides/notesSlide6.xml><?xml version="1.0" encoding="utf-8"?>
+<p:notes xmlns:a="http://schemas.openxmlformats.org/drawingml/2006/main" xmlns:r="http://schemas.openxmlformats.org/officeDocument/2006/relationships" xmlns:p="http://schemas.openxmlformats.org/presentationml/2006/main">
+  <p:cSld>
+    <p:spTree>
+      <p:nvGrpSpPr>
+        <p:cNvPr id="1" name=""/>
+        <p:cNvGrpSpPr/>
+        <p:nvPr/>
+      </p:nvGrpSpPr>
+      <p:grpSpPr>
+        <a:xfrm>
+          <a:off x="0" y="0"/>
+          <a:ext cx="0" cy="0"/>
+          <a:chOff x="0" y="0"/>
+          <a:chExt cx="0" cy="0"/>
+        </a:xfrm>
+      </p:grpSpPr>
+      <p:sp>
+        <p:nvSpPr>
+          <p:cNvPr id="2" name="Slide Image Placeholder 1"/>
+          <p:cNvSpPr>
+            <a:spLocks noGrp="1" noRot="1" noChangeAspect="1"/>
+          </p:cNvSpPr>
+          <p:nvPr>
+            <p:ph type="sldImg"/>
+          </p:nvPr>
+        </p:nvSpPr>
+        <p:spPr/>
+      </p:sp>
+      <p:sp>
+        <p:nvSpPr>
+          <p:cNvPr id="3" name="Notes Placeholder 2"/>
+          <p:cNvSpPr>
+            <a:spLocks noGrp="1"/>
+          </p:cNvSpPr>
+          <p:nvPr>
+            <p:ph type="body" idx="1"/>
+          </p:nvPr>
+        </p:nvSpPr>
+        <p:spPr/>
+        <p:txBody>
+          <a:bodyPr/>
+          <a:lstStyle/>
+          <a:p>
+            <a:pPr marL="0" marR="0" lvl="0" indent="0" algn="l" defTabSz="914400" rtl="0" eaLnBrk="1" fontAlgn="auto" latinLnBrk="0" hangingPunct="1">
+              <a:lnSpc>
+                <a:spcPct val="100000"/>
+              </a:lnSpc>
+              <a:spcBef>
+                <a:spcPts val="0"/>
+              </a:spcBef>
+              <a:spcAft>
+                <a:spcPts val="0"/>
+              </a:spcAft>
+              <a:buClrTx/>
+              <a:buSzTx/>
+              <a:buFontTx/>
+              <a:buNone/>
+              <a:tabLst/>
+              <a:defRPr/>
+            </a:pPr>
+            <a:r>
+              <a:rPr lang="en-US" dirty="0"/>
+              <a:t>Marcel</a:t>
+            </a:r>
+          </a:p>
+          <a:p>
+            <a:endParaRPr lang="en-CH" dirty="0"/>
+          </a:p>
+        </p:txBody>
+      </p:sp>
+      <p:sp>
+        <p:nvSpPr>
+          <p:cNvPr id="4" name="Slide Number Placeholder 3"/>
+          <p:cNvSpPr>
+            <a:spLocks noGrp="1"/>
+          </p:cNvSpPr>
+          <p:nvPr>
+            <p:ph type="sldNum" sz="quarter" idx="5"/>
+          </p:nvPr>
+        </p:nvSpPr>
+        <p:spPr/>
+        <p:txBody>
+          <a:bodyPr/>
+          <a:lstStyle/>
+          <a:p>
+            <a:fld id="{A89C7E07-3C67-C64C-8DA0-0404F6303970}" type="slidenum">
+              <a:rPr lang="en-US" smtClean="0"/>
+              <a:t>6</a:t>
+            </a:fld>
+            <a:endParaRPr lang="en-US" dirty="0"/>
+          </a:p>
+        </p:txBody>
+      </p:sp>
+    </p:spTree>
+    <p:extLst>
+      <p:ext uri="{BB962C8B-B14F-4D97-AF65-F5344CB8AC3E}">
+        <p14:creationId xmlns:p14="http://schemas.microsoft.com/office/powerpoint/2010/main" val="2278185951"/>
+      </p:ext>
+    </p:extLst>
+  </p:cSld>
+  <p:clrMapOvr>
+    <a:masterClrMapping/>
+  </p:clrMapOvr>
+</p:notes>
+</file>
+
+<file path=ppt/notesSlides/notesSlide7.xml><?xml version="1.0" encoding="utf-8"?>
+<p:notes xmlns:a="http://schemas.openxmlformats.org/drawingml/2006/main" xmlns:r="http://schemas.openxmlformats.org/officeDocument/2006/relationships" xmlns:p="http://schemas.openxmlformats.org/presentationml/2006/main">
+  <p:cSld>
+    <p:spTree>
+      <p:nvGrpSpPr>
+        <p:cNvPr id="1" name=""/>
+        <p:cNvGrpSpPr/>
+        <p:nvPr/>
+      </p:nvGrpSpPr>
+      <p:grpSpPr>
+        <a:xfrm>
+          <a:off x="0" y="0"/>
+          <a:ext cx="0" cy="0"/>
+          <a:chOff x="0" y="0"/>
+          <a:chExt cx="0" cy="0"/>
+        </a:xfrm>
+      </p:grpSpPr>
+      <p:sp>
+        <p:nvSpPr>
+          <p:cNvPr id="2" name="Slide Image Placeholder 1"/>
+          <p:cNvSpPr>
+            <a:spLocks noGrp="1" noRot="1" noChangeAspect="1"/>
+          </p:cNvSpPr>
+          <p:nvPr>
+            <p:ph type="sldImg"/>
+          </p:nvPr>
+        </p:nvSpPr>
+        <p:spPr/>
+      </p:sp>
+      <p:sp>
+        <p:nvSpPr>
+          <p:cNvPr id="3" name="Notes Placeholder 2"/>
+          <p:cNvSpPr>
+            <a:spLocks noGrp="1"/>
+          </p:cNvSpPr>
+          <p:nvPr>
+            <p:ph type="body" idx="1"/>
+          </p:nvPr>
+        </p:nvSpPr>
+        <p:spPr/>
+        <p:txBody>
+          <a:bodyPr/>
+          <a:lstStyle/>
+          <a:p>
+            <a:pPr marL="0" marR="0" lvl="0" indent="0" algn="l" defTabSz="914400" rtl="0" eaLnBrk="1" fontAlgn="auto" latinLnBrk="0" hangingPunct="1">
+              <a:lnSpc>
+                <a:spcPct val="100000"/>
+              </a:lnSpc>
+              <a:spcBef>
+                <a:spcPts val="0"/>
+              </a:spcBef>
+              <a:spcAft>
+                <a:spcPts val="0"/>
+              </a:spcAft>
+              <a:buClrTx/>
+              <a:buSzTx/>
+              <a:buFontTx/>
+              <a:buNone/>
+              <a:tabLst/>
+              <a:defRPr/>
+            </a:pPr>
+            <a:r>
+              <a:rPr lang="en-US" dirty="0"/>
+              <a:t>Marcel</a:t>
+            </a:r>
+          </a:p>
+          <a:p>
+            <a:endParaRPr lang="en-CH" dirty="0"/>
+          </a:p>
+        </p:txBody>
+      </p:sp>
+      <p:sp>
+        <p:nvSpPr>
+          <p:cNvPr id="4" name="Slide Number Placeholder 3"/>
+          <p:cNvSpPr>
+            <a:spLocks noGrp="1"/>
+          </p:cNvSpPr>
+          <p:nvPr>
+            <p:ph type="sldNum" sz="quarter" idx="5"/>
+          </p:nvPr>
+        </p:nvSpPr>
+        <p:spPr/>
+        <p:txBody>
+          <a:bodyPr/>
+          <a:lstStyle/>
+          <a:p>
+            <a:fld id="{A89C7E07-3C67-C64C-8DA0-0404F6303970}" type="slidenum">
+              <a:rPr lang="en-US" smtClean="0"/>
+              <a:t>7</a:t>
+            </a:fld>
+            <a:endParaRPr lang="en-US" dirty="0"/>
+          </a:p>
+        </p:txBody>
+      </p:sp>
+    </p:spTree>
+    <p:extLst>
+      <p:ext uri="{BB962C8B-B14F-4D97-AF65-F5344CB8AC3E}">
+        <p14:creationId xmlns:p14="http://schemas.microsoft.com/office/powerpoint/2010/main" val="862555584"/>
+      </p:ext>
+    </p:extLst>
+  </p:cSld>
+  <p:clrMapOvr>
+    <a:masterClrMapping/>
+  </p:clrMapOvr>
+</p:notes>
+</file>
+
+<file path=ppt/notesSlides/notesSlide8.xml><?xml version="1.0" encoding="utf-8"?>
+<p:notes xmlns:a="http://schemas.openxmlformats.org/drawingml/2006/main" xmlns:r="http://schemas.openxmlformats.org/officeDocument/2006/relationships" xmlns:p="http://schemas.openxmlformats.org/presentationml/2006/main">
+  <p:cSld>
+    <p:spTree>
+      <p:nvGrpSpPr>
+        <p:cNvPr id="1" name=""/>
+        <p:cNvGrpSpPr/>
+        <p:nvPr/>
+      </p:nvGrpSpPr>
+      <p:grpSpPr>
+        <a:xfrm>
+          <a:off x="0" y="0"/>
+          <a:ext cx="0" cy="0"/>
+          <a:chOff x="0" y="0"/>
+          <a:chExt cx="0" cy="0"/>
+        </a:xfrm>
+      </p:grpSpPr>
+      <p:sp>
+        <p:nvSpPr>
+          <p:cNvPr id="2" name="Slide Image Placeholder 1"/>
+          <p:cNvSpPr>
+            <a:spLocks noGrp="1" noRot="1" noChangeAspect="1"/>
+          </p:cNvSpPr>
+          <p:nvPr>
+            <p:ph type="sldImg"/>
+          </p:nvPr>
+        </p:nvSpPr>
+        <p:spPr/>
+      </p:sp>
+      <p:sp>
+        <p:nvSpPr>
+          <p:cNvPr id="3" name="Notes Placeholder 2"/>
+          <p:cNvSpPr>
+            <a:spLocks noGrp="1"/>
+          </p:cNvSpPr>
+          <p:nvPr>
+            <p:ph type="body" idx="1"/>
+          </p:nvPr>
+        </p:nvSpPr>
+        <p:spPr/>
+        <p:txBody>
+          <a:bodyPr/>
+          <a:lstStyle/>
+          <a:p>
+            <a:r>
+              <a:rPr lang="en-GB" dirty="0"/>
+              <a:t>Domi</a:t>
+            </a:r>
+            <a:endParaRPr lang="en-CH" dirty="0"/>
+          </a:p>
+        </p:txBody>
+      </p:sp>
+      <p:sp>
+        <p:nvSpPr>
+          <p:cNvPr id="4" name="Slide Number Placeholder 3"/>
+          <p:cNvSpPr>
+            <a:spLocks noGrp="1"/>
+          </p:cNvSpPr>
+          <p:nvPr>
+            <p:ph type="sldNum" sz="quarter" idx="5"/>
+          </p:nvPr>
+        </p:nvSpPr>
+        <p:spPr/>
+        <p:txBody>
+          <a:bodyPr/>
+          <a:lstStyle/>
+          <a:p>
+            <a:fld id="{A89C7E07-3C67-C64C-8DA0-0404F6303970}" type="slidenum">
+              <a:rPr lang="en-US" smtClean="0"/>
+              <a:t>8</a:t>
+            </a:fld>
+            <a:endParaRPr lang="en-US" dirty="0"/>
+          </a:p>
+        </p:txBody>
+      </p:sp>
+    </p:spTree>
+    <p:extLst>
+      <p:ext uri="{BB962C8B-B14F-4D97-AF65-F5344CB8AC3E}">
+        <p14:creationId xmlns:p14="http://schemas.microsoft.com/office/powerpoint/2010/main" val="493366085"/>
+      </p:ext>
+    </p:extLst>
+  </p:cSld>
+  <p:clrMapOvr>
+    <a:masterClrMapping/>
+  </p:clrMapOvr>
+</p:notes>
+</file>
+
+<file path=ppt/notesSlides/notesSlide9.xml><?xml version="1.0" encoding="utf-8"?>
+<p:notes xmlns:a="http://schemas.openxmlformats.org/drawingml/2006/main" xmlns:r="http://schemas.openxmlformats.org/officeDocument/2006/relationships" xmlns:p="http://schemas.openxmlformats.org/presentationml/2006/main">
+  <p:cSld>
+    <p:spTree>
+      <p:nvGrpSpPr>
+        <p:cNvPr id="1" name=""/>
+        <p:cNvGrpSpPr/>
+        <p:nvPr/>
+      </p:nvGrpSpPr>
+      <p:grpSpPr>
+        <a:xfrm>
+          <a:off x="0" y="0"/>
+          <a:ext cx="0" cy="0"/>
+          <a:chOff x="0" y="0"/>
+          <a:chExt cx="0" cy="0"/>
+        </a:xfrm>
+      </p:grpSpPr>
+      <p:sp>
+        <p:nvSpPr>
+          <p:cNvPr id="2" name="Slide Image Placeholder 1"/>
+          <p:cNvSpPr>
+            <a:spLocks noGrp="1" noRot="1" noChangeAspect="1"/>
+          </p:cNvSpPr>
+          <p:nvPr>
+            <p:ph type="sldImg"/>
+          </p:nvPr>
+        </p:nvSpPr>
+        <p:spPr/>
+      </p:sp>
+      <p:sp>
+        <p:nvSpPr>
+          <p:cNvPr id="3" name="Notes Placeholder 2"/>
+          <p:cNvSpPr>
+            <a:spLocks noGrp="1"/>
+          </p:cNvSpPr>
+          <p:nvPr>
+            <p:ph type="body" idx="1"/>
+          </p:nvPr>
+        </p:nvSpPr>
+        <p:spPr/>
+        <p:txBody>
+          <a:bodyPr/>
+          <a:lstStyle/>
+          <a:p>
+            <a:r>
+              <a:rPr lang="en-GB" dirty="0"/>
+              <a:t>Domi</a:t>
+            </a:r>
+            <a:endParaRPr lang="en-CH" dirty="0"/>
+          </a:p>
+        </p:txBody>
+      </p:sp>
+      <p:sp>
+        <p:nvSpPr>
+          <p:cNvPr id="4" name="Slide Number Placeholder 3"/>
+          <p:cNvSpPr>
+            <a:spLocks noGrp="1"/>
+          </p:cNvSpPr>
+          <p:nvPr>
+            <p:ph type="sldNum" sz="quarter" idx="5"/>
+          </p:nvPr>
+        </p:nvSpPr>
+        <p:spPr/>
+        <p:txBody>
+          <a:bodyPr/>
+          <a:lstStyle/>
+          <a:p>
+            <a:fld id="{A89C7E07-3C67-C64C-8DA0-0404F6303970}" type="slidenum">
+              <a:rPr lang="en-US" smtClean="0"/>
+              <a:t>9</a:t>
+            </a:fld>
+            <a:endParaRPr lang="en-US" dirty="0"/>
+          </a:p>
+        </p:txBody>
+      </p:sp>
+    </p:spTree>
+    <p:extLst>
+      <p:ext uri="{BB962C8B-B14F-4D97-AF65-F5344CB8AC3E}">
+        <p14:creationId xmlns:p14="http://schemas.microsoft.com/office/powerpoint/2010/main" val="2379700209"/>
       </p:ext>
     </p:extLst>
   </p:cSld>
@@ -10138,10 +10853,10 @@
       </p:sp>
       <p:pic>
         <p:nvPicPr>
-          <p:cNvPr id="8" name="Picture 7">
+          <p:cNvPr id="4" name="Picture 3">
             <a:extLst>
               <a:ext uri="{FF2B5EF4-FFF2-40B4-BE49-F238E27FC236}">
-                <a16:creationId xmlns:a16="http://schemas.microsoft.com/office/drawing/2014/main" id="{EA25AB3D-CE54-028C-C08F-C2B4696426D6}"/>
+                <a16:creationId xmlns:a16="http://schemas.microsoft.com/office/drawing/2014/main" id="{267914F5-B875-3AA0-FE26-224CCC5B29C0}"/>
               </a:ext>
             </a:extLst>
           </p:cNvPr>
@@ -10151,15 +10866,15 @@
           <p:nvPr/>
         </p:nvPicPr>
         <p:blipFill>
-          <a:blip r:embed="rId2"/>
+          <a:blip r:embed="rId3"/>
           <a:stretch>
             <a:fillRect/>
           </a:stretch>
         </p:blipFill>
         <p:spPr>
           <a:xfrm>
-            <a:off x="3275648" y="738103"/>
-            <a:ext cx="8291512" cy="5210259"/>
+            <a:off x="3021974" y="545985"/>
+            <a:ext cx="8716924" cy="5491744"/>
           </a:xfrm>
           <a:prstGeom prst="rect">
             <a:avLst/>
@@ -10246,7 +10961,7 @@
           <p:nvPr/>
         </p:nvPicPr>
         <p:blipFill>
-          <a:blip r:embed="rId2"/>
+          <a:blip r:embed="rId3"/>
           <a:stretch>
             <a:fillRect/>
           </a:stretch>
@@ -10479,7 +11194,7 @@
           <p:nvPr/>
         </p:nvPicPr>
         <p:blipFill>
-          <a:blip r:embed="rId2"/>
+          <a:blip r:embed="rId3"/>
           <a:stretch>
             <a:fillRect/>
           </a:stretch>
@@ -10676,7 +11391,7 @@
             </a:r>
             <a:r>
               <a:rPr lang="en-GB" dirty="0"/>
-              <a:t> C#  und </a:t>
+              <a:t> C# und </a:t>
             </a:r>
             <a:r>
               <a:rPr lang="en-GB" dirty="0" err="1"/>
@@ -11507,35 +12222,6 @@
 </file>
 
 <file path=customXml/item1.xml><?xml version="1.0" encoding="utf-8"?>
-<?mso-contentType ?>
-<FormTemplates xmlns="http://schemas.microsoft.com/sharepoint/v3/contenttype/forms">
-  <Display>DocumentLibraryForm</Display>
-  <Edit>DocumentLibraryForm</Edit>
-  <New>DocumentLibraryForm</New>
-</FormTemplates>
-</file>
-
-<file path=customXml/item2.xml><?xml version="1.0" encoding="utf-8"?>
-<p:properties xmlns:p="http://schemas.microsoft.com/office/2006/metadata/properties" xmlns:xsi="http://www.w3.org/2001/XMLSchema-instance" xmlns:pc="http://schemas.microsoft.com/office/infopath/2007/PartnerControls">
-  <documentManagement>
-    <Background xmlns="71af3243-3dd4-4a8d-8c0d-dd76da1f02a5">false</Background>
-    <Status xmlns="71af3243-3dd4-4a8d-8c0d-dd76da1f02a5">Not started</Status>
-    <_ip_UnifiedCompliancePolicyUIAction xmlns="http://schemas.microsoft.com/sharepoint/v3" xsi:nil="true"/>
-    <Image xmlns="71af3243-3dd4-4a8d-8c0d-dd76da1f02a5">
-      <Url xsi:nil="true"/>
-      <Description xsi:nil="true"/>
-    </Image>
-    <_ip_UnifiedCompliancePolicyProperties xmlns="http://schemas.microsoft.com/sharepoint/v3" xsi:nil="true"/>
-    <ImageTagsTaxHTField xmlns="71af3243-3dd4-4a8d-8c0d-dd76da1f02a5">
-      <Terms xmlns="http://schemas.microsoft.com/office/infopath/2007/PartnerControls"/>
-    </ImageTagsTaxHTField>
-    <TaxCatchAll xmlns="230e9df3-be65-4c73-a93b-d1236ebd677e" xsi:nil="true"/>
-    <MediaServiceKeyPoints xmlns="71af3243-3dd4-4a8d-8c0d-dd76da1f02a5" xsi:nil="true"/>
-  </documentManagement>
-</p:properties>
-</file>
-
-<file path=customXml/item3.xml><?xml version="1.0" encoding="utf-8"?>
 <ct:contentTypeSchema xmlns:ct="http://schemas.microsoft.com/office/2006/metadata/contentType" xmlns:ma="http://schemas.microsoft.com/office/2006/metadata/properties/metaAttributes" ct:_="" ma:_="" ma:contentTypeName="Document" ma:contentTypeID="0x01010079F111ED35F8CC479449609E8A0923A6" ma:contentTypeVersion="28" ma:contentTypeDescription="Create a new document." ma:contentTypeScope="" ma:versionID="60f5a4f2d2b0abadcf532d48ebf9cb71">
   <xsd:schema xmlns:xsd="http://www.w3.org/2001/XMLSchema" xmlns:xs="http://www.w3.org/2001/XMLSchema" xmlns:p="http://schemas.microsoft.com/office/2006/metadata/properties" xmlns:ns1="http://schemas.microsoft.com/sharepoint/v3" xmlns:ns2="71af3243-3dd4-4a8d-8c0d-dd76da1f02a5" xmlns:ns3="16c05727-aa75-4e4a-9b5f-8a80a1165891" xmlns:ns4="230e9df3-be65-4c73-a93b-d1236ebd677e" targetNamespace="http://schemas.microsoft.com/office/2006/metadata/properties" ma:root="true" ma:fieldsID="7dd78129e6a1811f84807ad11c651531" ns1:_="" ns2:_="" ns3:_="" ns4:_="">
     <xsd:import namespace="http://schemas.microsoft.com/sharepoint/v3"/>
@@ -11847,27 +12533,36 @@
 </ct:contentTypeSchema>
 </file>
 
-<file path=customXml/itemProps1.xml><?xml version="1.0" encoding="utf-8"?>
-<ds:datastoreItem xmlns:ds="http://schemas.openxmlformats.org/officeDocument/2006/customXml" ds:itemID="{C21FFAC0-05A2-416A-B06C-C248395482CF}">
-  <ds:schemaRefs>
-    <ds:schemaRef ds:uri="http://schemas.microsoft.com/sharepoint/v3/contenttype/forms"/>
-  </ds:schemaRefs>
-</ds:datastoreItem>
+<file path=customXml/item2.xml><?xml version="1.0" encoding="utf-8"?>
+<p:properties xmlns:p="http://schemas.microsoft.com/office/2006/metadata/properties" xmlns:xsi="http://www.w3.org/2001/XMLSchema-instance" xmlns:pc="http://schemas.microsoft.com/office/infopath/2007/PartnerControls">
+  <documentManagement>
+    <Background xmlns="71af3243-3dd4-4a8d-8c0d-dd76da1f02a5">false</Background>
+    <Status xmlns="71af3243-3dd4-4a8d-8c0d-dd76da1f02a5">Not started</Status>
+    <_ip_UnifiedCompliancePolicyUIAction xmlns="http://schemas.microsoft.com/sharepoint/v3" xsi:nil="true"/>
+    <Image xmlns="71af3243-3dd4-4a8d-8c0d-dd76da1f02a5">
+      <Url xsi:nil="true"/>
+      <Description xsi:nil="true"/>
+    </Image>
+    <_ip_UnifiedCompliancePolicyProperties xmlns="http://schemas.microsoft.com/sharepoint/v3" xsi:nil="true"/>
+    <ImageTagsTaxHTField xmlns="71af3243-3dd4-4a8d-8c0d-dd76da1f02a5">
+      <Terms xmlns="http://schemas.microsoft.com/office/infopath/2007/PartnerControls"/>
+    </ImageTagsTaxHTField>
+    <TaxCatchAll xmlns="230e9df3-be65-4c73-a93b-d1236ebd677e" xsi:nil="true"/>
+    <MediaServiceKeyPoints xmlns="71af3243-3dd4-4a8d-8c0d-dd76da1f02a5" xsi:nil="true"/>
+  </documentManagement>
+</p:properties>
 </file>
 
-<file path=customXml/itemProps2.xml><?xml version="1.0" encoding="utf-8"?>
-<ds:datastoreItem xmlns:ds="http://schemas.openxmlformats.org/officeDocument/2006/customXml" ds:itemID="{4F4B194E-8B30-4377-8C59-ECFB902D2A26}">
-  <ds:schemaRefs>
-    <ds:schemaRef ds:uri="http://schemas.microsoft.com/office/2006/metadata/properties"/>
-    <ds:schemaRef ds:uri="http://schemas.microsoft.com/office/infopath/2007/PartnerControls"/>
-    <ds:schemaRef ds:uri="71af3243-3dd4-4a8d-8c0d-dd76da1f02a5"/>
-    <ds:schemaRef ds:uri="http://schemas.microsoft.com/sharepoint/v3"/>
-    <ds:schemaRef ds:uri="230e9df3-be65-4c73-a93b-d1236ebd677e"/>
-  </ds:schemaRefs>
-</ds:datastoreItem>
+<file path=customXml/item3.xml><?xml version="1.0" encoding="utf-8"?>
+<?mso-contentType ?>
+<FormTemplates xmlns="http://schemas.microsoft.com/sharepoint/v3/contenttype/forms">
+  <Display>DocumentLibraryForm</Display>
+  <Edit>DocumentLibraryForm</Edit>
+  <New>DocumentLibraryForm</New>
+</FormTemplates>
 </file>
 
-<file path=customXml/itemProps3.xml><?xml version="1.0" encoding="utf-8"?>
+<file path=customXml/itemProps1.xml><?xml version="1.0" encoding="utf-8"?>
 <ds:datastoreItem xmlns:ds="http://schemas.openxmlformats.org/officeDocument/2006/customXml" ds:itemID="{92DB9E12-8AC3-4138-BF4D-720A5525AB10}">
   <ds:schemaRefs>
     <ds:schemaRef ds:uri="http://schemas.microsoft.com/office/2006/metadata/contentType"/>
@@ -11888,6 +12583,26 @@
 </ds:datastoreItem>
 </file>
 
+<file path=customXml/itemProps2.xml><?xml version="1.0" encoding="utf-8"?>
+<ds:datastoreItem xmlns:ds="http://schemas.openxmlformats.org/officeDocument/2006/customXml" ds:itemID="{4F4B194E-8B30-4377-8C59-ECFB902D2A26}">
+  <ds:schemaRefs>
+    <ds:schemaRef ds:uri="http://schemas.microsoft.com/office/2006/metadata/properties"/>
+    <ds:schemaRef ds:uri="http://schemas.microsoft.com/office/infopath/2007/PartnerControls"/>
+    <ds:schemaRef ds:uri="71af3243-3dd4-4a8d-8c0d-dd76da1f02a5"/>
+    <ds:schemaRef ds:uri="http://schemas.microsoft.com/sharepoint/v3"/>
+    <ds:schemaRef ds:uri="230e9df3-be65-4c73-a93b-d1236ebd677e"/>
+  </ds:schemaRefs>
+</ds:datastoreItem>
+</file>
+
+<file path=customXml/itemProps3.xml><?xml version="1.0" encoding="utf-8"?>
+<ds:datastoreItem xmlns:ds="http://schemas.openxmlformats.org/officeDocument/2006/customXml" ds:itemID="{C21FFAC0-05A2-416A-B06C-C248395482CF}">
+  <ds:schemaRefs>
+    <ds:schemaRef ds:uri="http://schemas.microsoft.com/sharepoint/v3/contenttype/forms"/>
+  </ds:schemaRefs>
+</ds:datastoreItem>
+</file>
+
 <file path=docMetadata/LabelInfo.xml><?xml version="1.0" encoding="utf-8"?>
 <clbl:labelList xmlns:clbl="http://schemas.microsoft.com/office/2020/mipLabelMetadata"/>
 </file>